--- a/Graficas de arquitectura ag2.pptx
+++ b/Graficas de arquitectura ag2.pptx
@@ -195,7 +195,7 @@
             <a:fld id="{1B4265EF-58C5-4CF3-9A79-F16CBA089DB8}" type="datetimeFigureOut">
               <a:rPr lang="es-CO" smtClean="0"/>
               <a:pPr/>
-              <a:t>20/03/2012</a:t>
+              <a:t>21/03/2012</a:t>
             </a:fld>
             <a:endParaRPr lang="es-CO"/>
           </a:p>
@@ -725,7 +725,7 @@
             <a:fld id="{93102B3C-62CC-48D7-BE30-F9D4E7DEC3B6}" type="datetimeFigureOut">
               <a:rPr lang="es-CO" smtClean="0"/>
               <a:pPr/>
-              <a:t>20/03/2012</a:t>
+              <a:t>21/03/2012</a:t>
             </a:fld>
             <a:endParaRPr lang="es-CO"/>
           </a:p>
@@ -892,7 +892,7 @@
             <a:fld id="{93102B3C-62CC-48D7-BE30-F9D4E7DEC3B6}" type="datetimeFigureOut">
               <a:rPr lang="es-CO" smtClean="0"/>
               <a:pPr/>
-              <a:t>20/03/2012</a:t>
+              <a:t>21/03/2012</a:t>
             </a:fld>
             <a:endParaRPr lang="es-CO"/>
           </a:p>
@@ -1069,7 +1069,7 @@
             <a:fld id="{93102B3C-62CC-48D7-BE30-F9D4E7DEC3B6}" type="datetimeFigureOut">
               <a:rPr lang="es-CO" smtClean="0"/>
               <a:pPr/>
-              <a:t>20/03/2012</a:t>
+              <a:t>21/03/2012</a:t>
             </a:fld>
             <a:endParaRPr lang="es-CO"/>
           </a:p>
@@ -1236,7 +1236,7 @@
             <a:fld id="{93102B3C-62CC-48D7-BE30-F9D4E7DEC3B6}" type="datetimeFigureOut">
               <a:rPr lang="es-CO" smtClean="0"/>
               <a:pPr/>
-              <a:t>20/03/2012</a:t>
+              <a:t>21/03/2012</a:t>
             </a:fld>
             <a:endParaRPr lang="es-CO"/>
           </a:p>
@@ -1479,7 +1479,7 @@
             <a:fld id="{93102B3C-62CC-48D7-BE30-F9D4E7DEC3B6}" type="datetimeFigureOut">
               <a:rPr lang="es-CO" smtClean="0"/>
               <a:pPr/>
-              <a:t>20/03/2012</a:t>
+              <a:t>21/03/2012</a:t>
             </a:fld>
             <a:endParaRPr lang="es-CO"/>
           </a:p>
@@ -1764,7 +1764,7 @@
             <a:fld id="{93102B3C-62CC-48D7-BE30-F9D4E7DEC3B6}" type="datetimeFigureOut">
               <a:rPr lang="es-CO" smtClean="0"/>
               <a:pPr/>
-              <a:t>20/03/2012</a:t>
+              <a:t>21/03/2012</a:t>
             </a:fld>
             <a:endParaRPr lang="es-CO"/>
           </a:p>
@@ -2183,7 +2183,7 @@
             <a:fld id="{93102B3C-62CC-48D7-BE30-F9D4E7DEC3B6}" type="datetimeFigureOut">
               <a:rPr lang="es-CO" smtClean="0"/>
               <a:pPr/>
-              <a:t>20/03/2012</a:t>
+              <a:t>21/03/2012</a:t>
             </a:fld>
             <a:endParaRPr lang="es-CO"/>
           </a:p>
@@ -2298,7 +2298,7 @@
             <a:fld id="{93102B3C-62CC-48D7-BE30-F9D4E7DEC3B6}" type="datetimeFigureOut">
               <a:rPr lang="es-CO" smtClean="0"/>
               <a:pPr/>
-              <a:t>20/03/2012</a:t>
+              <a:t>21/03/2012</a:t>
             </a:fld>
             <a:endParaRPr lang="es-CO"/>
           </a:p>
@@ -2390,7 +2390,7 @@
             <a:fld id="{93102B3C-62CC-48D7-BE30-F9D4E7DEC3B6}" type="datetimeFigureOut">
               <a:rPr lang="es-CO" smtClean="0"/>
               <a:pPr/>
-              <a:t>20/03/2012</a:t>
+              <a:t>21/03/2012</a:t>
             </a:fld>
             <a:endParaRPr lang="es-CO"/>
           </a:p>
@@ -2664,7 +2664,7 @@
             <a:fld id="{93102B3C-62CC-48D7-BE30-F9D4E7DEC3B6}" type="datetimeFigureOut">
               <a:rPr lang="es-CO" smtClean="0"/>
               <a:pPr/>
-              <a:t>20/03/2012</a:t>
+              <a:t>21/03/2012</a:t>
             </a:fld>
             <a:endParaRPr lang="es-CO"/>
           </a:p>
@@ -2914,7 +2914,7 @@
             <a:fld id="{93102B3C-62CC-48D7-BE30-F9D4E7DEC3B6}" type="datetimeFigureOut">
               <a:rPr lang="es-CO" smtClean="0"/>
               <a:pPr/>
-              <a:t>20/03/2012</a:t>
+              <a:t>21/03/2012</a:t>
             </a:fld>
             <a:endParaRPr lang="es-CO"/>
           </a:p>
@@ -3124,7 +3124,7 @@
             <a:fld id="{93102B3C-62CC-48D7-BE30-F9D4E7DEC3B6}" type="datetimeFigureOut">
               <a:rPr lang="es-CO" smtClean="0"/>
               <a:pPr/>
-              <a:t>20/03/2012</a:t>
+              <a:t>21/03/2012</a:t>
             </a:fld>
             <a:endParaRPr lang="es-CO"/>
           </a:p>
@@ -4312,6 +4312,36 @@
           <a:chExt cx="0" cy="0"/>
         </a:xfrm>
       </p:grpSpPr>
+      <p:cxnSp>
+        <p:nvCxnSpPr>
+          <p:cNvPr id="49" name="48 Conector recto"/>
+          <p:cNvCxnSpPr/>
+          <p:nvPr/>
+        </p:nvCxnSpPr>
+        <p:spPr>
+          <a:xfrm>
+            <a:off x="1043608" y="3140968"/>
+            <a:ext cx="4104456" cy="0"/>
+          </a:xfrm>
+          <a:prstGeom prst="line">
+            <a:avLst/>
+          </a:prstGeom>
+        </p:spPr>
+        <p:style>
+          <a:lnRef idx="1">
+            <a:schemeClr val="accent1"/>
+          </a:lnRef>
+          <a:fillRef idx="0">
+            <a:schemeClr val="accent1"/>
+          </a:fillRef>
+          <a:effectRef idx="0">
+            <a:schemeClr val="accent1"/>
+          </a:effectRef>
+          <a:fontRef idx="minor">
+            <a:schemeClr val="tx1"/>
+          </a:fontRef>
+        </p:style>
+      </p:cxnSp>
       <p:sp>
         <p:nvSpPr>
           <p:cNvPr id="4" name="3 Rectángulo redondeado"/>
@@ -4320,7 +4350,7 @@
         </p:nvSpPr>
         <p:spPr>
           <a:xfrm>
-            <a:off x="467544" y="1484784"/>
+            <a:off x="179512" y="1556792"/>
             <a:ext cx="8496944" cy="3816424"/>
           </a:xfrm>
           <a:prstGeom prst="roundRect">
@@ -4362,8 +4392,8 @@
         </p:nvSpPr>
         <p:spPr>
           <a:xfrm>
-            <a:off x="899592" y="2204864"/>
-            <a:ext cx="4320480" cy="2736304"/>
+            <a:off x="539552" y="2204864"/>
+            <a:ext cx="4752528" cy="2736304"/>
           </a:xfrm>
           <a:prstGeom prst="roundRect">
             <a:avLst/>
@@ -4429,7 +4459,7 @@
         </p:nvSpPr>
         <p:spPr>
           <a:xfrm>
-            <a:off x="1547664" y="3573016"/>
+            <a:off x="1547664" y="3717032"/>
             <a:ext cx="432048" cy="360040"/>
           </a:xfrm>
           <a:prstGeom prst="rect">
@@ -4505,8 +4535,8 @@
         </p:nvCxnSpPr>
         <p:spPr>
           <a:xfrm flipV="1">
-            <a:off x="1475656" y="2636912"/>
-            <a:ext cx="0" cy="1584176"/>
+            <a:off x="1475656" y="3140968"/>
+            <a:ext cx="0" cy="1080120"/>
           </a:xfrm>
           <a:prstGeom prst="line">
             <a:avLst/>
@@ -4715,51 +4745,8 @@
         </p:nvSpPr>
         <p:spPr>
           <a:xfrm>
-            <a:off x="2123728" y="3573016"/>
+            <a:off x="2123728" y="3717032"/>
             <a:ext cx="2160240" cy="360040"/>
-          </a:xfrm>
-          <a:prstGeom prst="rect">
-            <a:avLst/>
-          </a:prstGeom>
-          <a:ln w="9525"/>
-        </p:spPr>
-        <p:style>
-          <a:lnRef idx="2">
-            <a:schemeClr val="dk1"/>
-          </a:lnRef>
-          <a:fillRef idx="1">
-            <a:schemeClr val="lt1"/>
-          </a:fillRef>
-          <a:effectRef idx="0">
-            <a:schemeClr val="dk1"/>
-          </a:effectRef>
-          <a:fontRef idx="minor">
-            <a:schemeClr val="dk1"/>
-          </a:fontRef>
-        </p:style>
-        <p:txBody>
-          <a:bodyPr rtlCol="0" anchor="ctr"/>
-          <a:lstStyle/>
-          <a:p>
-            <a:pPr algn="ctr"/>
-            <a:r>
-              <a:rPr lang="es-CO" sz="1200" dirty="0" err="1" smtClean="0"/>
-              <a:t>Tx</a:t>
-            </a:r>
-            <a:endParaRPr lang="es-CO" sz="1200" dirty="0"/>
-          </a:p>
-        </p:txBody>
-      </p:sp>
-      <p:sp>
-        <p:nvSpPr>
-          <p:cNvPr id="24" name="23 Rectángulo"/>
-          <p:cNvSpPr/>
-          <p:nvPr/>
-        </p:nvSpPr>
-        <p:spPr>
-          <a:xfrm>
-            <a:off x="1547664" y="3068960"/>
-            <a:ext cx="1512168" cy="360040"/>
           </a:xfrm>
           <a:prstGeom prst="rect">
             <a:avLst/>
@@ -5513,7 +5500,7 @@
         <p:spPr>
           <a:xfrm>
             <a:off x="6228184" y="2780928"/>
-            <a:ext cx="2448272" cy="1008112"/>
+            <a:ext cx="2376264" cy="1008112"/>
           </a:xfrm>
           <a:prstGeom prst="roundRect">
             <a:avLst/>
@@ -5668,8 +5655,8 @@
         </p:nvSpPr>
         <p:spPr>
           <a:xfrm rot="5400000">
-            <a:off x="5508104" y="2780928"/>
-            <a:ext cx="432048" cy="1008112"/>
+            <a:off x="5544108" y="2816932"/>
+            <a:ext cx="432048" cy="936104"/>
           </a:xfrm>
           <a:prstGeom prst="upDownArrow">
             <a:avLst/>
@@ -5783,6 +5770,263 @@
           <a:noFill/>
         </p:spPr>
       </p:pic>
+      <p:cxnSp>
+        <p:nvCxnSpPr>
+          <p:cNvPr id="43" name="42 Conector recto"/>
+          <p:cNvCxnSpPr/>
+          <p:nvPr/>
+        </p:nvCxnSpPr>
+        <p:spPr>
+          <a:xfrm>
+            <a:off x="1043608" y="3645024"/>
+            <a:ext cx="3960440" cy="0"/>
+          </a:xfrm>
+          <a:prstGeom prst="line">
+            <a:avLst/>
+          </a:prstGeom>
+        </p:spPr>
+        <p:style>
+          <a:lnRef idx="1">
+            <a:schemeClr val="accent1"/>
+          </a:lnRef>
+          <a:fillRef idx="0">
+            <a:schemeClr val="accent1"/>
+          </a:fillRef>
+          <a:effectRef idx="0">
+            <a:schemeClr val="accent1"/>
+          </a:effectRef>
+          <a:fontRef idx="minor">
+            <a:schemeClr val="tx1"/>
+          </a:fontRef>
+        </p:style>
+      </p:cxnSp>
+      <p:sp>
+        <p:nvSpPr>
+          <p:cNvPr id="51" name="50 CuadroTexto"/>
+          <p:cNvSpPr txBox="1"/>
+          <p:nvPr/>
+        </p:nvSpPr>
+        <p:spPr>
+          <a:xfrm>
+            <a:off x="1043608" y="2708920"/>
+            <a:ext cx="348172" cy="276999"/>
+          </a:xfrm>
+          <a:prstGeom prst="rect">
+            <a:avLst/>
+          </a:prstGeom>
+          <a:noFill/>
+        </p:spPr>
+        <p:txBody>
+          <a:bodyPr wrap="none" rtlCol="0">
+            <a:spAutoFit/>
+          </a:bodyPr>
+          <a:lstStyle/>
+          <a:p>
+            <a:r>
+              <a:rPr lang="es-CO" sz="1200" i="1" dirty="0" smtClean="0"/>
+              <a:t>Rn</a:t>
+            </a:r>
+            <a:endParaRPr lang="es-CO" sz="1200" i="1" dirty="0"/>
+          </a:p>
+        </p:txBody>
+      </p:sp>
+      <p:sp>
+        <p:nvSpPr>
+          <p:cNvPr id="52" name="51 CuadroTexto"/>
+          <p:cNvSpPr txBox="1"/>
+          <p:nvPr/>
+        </p:nvSpPr>
+        <p:spPr>
+          <a:xfrm>
+            <a:off x="1043608" y="3212976"/>
+            <a:ext cx="346570" cy="276999"/>
+          </a:xfrm>
+          <a:prstGeom prst="rect">
+            <a:avLst/>
+          </a:prstGeom>
+          <a:noFill/>
+        </p:spPr>
+        <p:txBody>
+          <a:bodyPr wrap="none" rtlCol="0">
+            <a:spAutoFit/>
+          </a:bodyPr>
+          <a:lstStyle/>
+          <a:p>
+            <a:r>
+              <a:rPr lang="es-CO" sz="1200" i="1" dirty="0" smtClean="0"/>
+              <a:t>R2</a:t>
+            </a:r>
+            <a:endParaRPr lang="es-CO" sz="1200" i="1" dirty="0"/>
+          </a:p>
+        </p:txBody>
+      </p:sp>
+      <p:sp>
+        <p:nvSpPr>
+          <p:cNvPr id="53" name="52 CuadroTexto"/>
+          <p:cNvSpPr txBox="1"/>
+          <p:nvPr/>
+        </p:nvSpPr>
+        <p:spPr>
+          <a:xfrm>
+            <a:off x="1043608" y="3717032"/>
+            <a:ext cx="346570" cy="276999"/>
+          </a:xfrm>
+          <a:prstGeom prst="rect">
+            <a:avLst/>
+          </a:prstGeom>
+          <a:noFill/>
+        </p:spPr>
+        <p:txBody>
+          <a:bodyPr wrap="none" rtlCol="0">
+            <a:spAutoFit/>
+          </a:bodyPr>
+          <a:lstStyle/>
+          <a:p>
+            <a:r>
+              <a:rPr lang="es-CO" sz="1200" i="1" dirty="0" smtClean="0"/>
+              <a:t>R1</a:t>
+            </a:r>
+            <a:endParaRPr lang="es-CO" sz="1200" i="1" dirty="0"/>
+          </a:p>
+        </p:txBody>
+      </p:sp>
+      <p:cxnSp>
+        <p:nvCxnSpPr>
+          <p:cNvPr id="56" name="55 Conector recto de flecha"/>
+          <p:cNvCxnSpPr/>
+          <p:nvPr/>
+        </p:nvCxnSpPr>
+        <p:spPr>
+          <a:xfrm flipV="1">
+            <a:off x="1475656" y="2636912"/>
+            <a:ext cx="0" cy="504056"/>
+          </a:xfrm>
+          <a:prstGeom prst="straightConnector1">
+            <a:avLst/>
+          </a:prstGeom>
+          <a:ln>
+            <a:prstDash val="sysDash"/>
+            <a:tailEnd type="arrow"/>
+          </a:ln>
+        </p:spPr>
+        <p:style>
+          <a:lnRef idx="1">
+            <a:schemeClr val="accent1"/>
+          </a:lnRef>
+          <a:fillRef idx="0">
+            <a:schemeClr val="accent1"/>
+          </a:fillRef>
+          <a:effectRef idx="0">
+            <a:schemeClr val="accent1"/>
+          </a:effectRef>
+          <a:fontRef idx="minor">
+            <a:schemeClr val="tx1"/>
+          </a:fontRef>
+        </p:style>
+      </p:cxnSp>
+      <p:sp>
+        <p:nvSpPr>
+          <p:cNvPr id="58" name="57 CuadroTexto"/>
+          <p:cNvSpPr txBox="1"/>
+          <p:nvPr/>
+        </p:nvSpPr>
+        <p:spPr>
+          <a:xfrm>
+            <a:off x="1547664" y="4653136"/>
+            <a:ext cx="2105576" cy="276999"/>
+          </a:xfrm>
+          <a:prstGeom prst="rect">
+            <a:avLst/>
+          </a:prstGeom>
+          <a:noFill/>
+        </p:spPr>
+        <p:txBody>
+          <a:bodyPr wrap="none" rtlCol="0">
+            <a:spAutoFit/>
+          </a:bodyPr>
+          <a:lstStyle/>
+          <a:p>
+            <a:r>
+              <a:rPr lang="es-CO" sz="1200" i="1" dirty="0" smtClean="0"/>
+              <a:t>Rn: Recurso n de grilla o de red</a:t>
+            </a:r>
+            <a:endParaRPr lang="es-CO" sz="1200" i="1" dirty="0"/>
+          </a:p>
+        </p:txBody>
+      </p:sp>
+      <p:cxnSp>
+        <p:nvCxnSpPr>
+          <p:cNvPr id="59" name="58 Conector recto"/>
+          <p:cNvCxnSpPr/>
+          <p:nvPr/>
+        </p:nvCxnSpPr>
+        <p:spPr>
+          <a:xfrm>
+            <a:off x="1043608" y="3140968"/>
+            <a:ext cx="3960440" cy="0"/>
+          </a:xfrm>
+          <a:prstGeom prst="line">
+            <a:avLst/>
+          </a:prstGeom>
+        </p:spPr>
+        <p:style>
+          <a:lnRef idx="1">
+            <a:schemeClr val="accent1"/>
+          </a:lnRef>
+          <a:fillRef idx="0">
+            <a:schemeClr val="accent1"/>
+          </a:fillRef>
+          <a:effectRef idx="0">
+            <a:schemeClr val="accent1"/>
+          </a:effectRef>
+          <a:fontRef idx="minor">
+            <a:schemeClr val="tx1"/>
+          </a:fontRef>
+        </p:style>
+      </p:cxnSp>
+      <p:sp>
+        <p:nvSpPr>
+          <p:cNvPr id="24" name="23 Rectángulo"/>
+          <p:cNvSpPr/>
+          <p:nvPr/>
+        </p:nvSpPr>
+        <p:spPr>
+          <a:xfrm>
+            <a:off x="1547664" y="2708920"/>
+            <a:ext cx="1512168" cy="864096"/>
+          </a:xfrm>
+          <a:prstGeom prst="rect">
+            <a:avLst/>
+          </a:prstGeom>
+          <a:ln w="9525"/>
+        </p:spPr>
+        <p:style>
+          <a:lnRef idx="2">
+            <a:schemeClr val="dk1"/>
+          </a:lnRef>
+          <a:fillRef idx="1">
+            <a:schemeClr val="lt1"/>
+          </a:fillRef>
+          <a:effectRef idx="0">
+            <a:schemeClr val="dk1"/>
+          </a:effectRef>
+          <a:fontRef idx="minor">
+            <a:schemeClr val="dk1"/>
+          </a:fontRef>
+        </p:style>
+        <p:txBody>
+          <a:bodyPr rtlCol="0" anchor="ctr"/>
+          <a:lstStyle/>
+          <a:p>
+            <a:pPr algn="ctr"/>
+            <a:r>
+              <a:rPr lang="es-CO" sz="1200" dirty="0" err="1" smtClean="0"/>
+              <a:t>Tx</a:t>
+            </a:r>
+            <a:endParaRPr lang="es-CO" sz="1200" dirty="0"/>
+          </a:p>
+        </p:txBody>
+      </p:sp>
     </p:spTree>
   </p:cSld>
   <p:clrMapOvr>

--- a/Graficas de arquitectura ag2.pptx
+++ b/Graficas de arquitectura ag2.pptx
@@ -195,7 +195,7 @@
             <a:fld id="{1B4265EF-58C5-4CF3-9A79-F16CBA089DB8}" type="datetimeFigureOut">
               <a:rPr lang="es-CO" smtClean="0"/>
               <a:pPr/>
-              <a:t>21/03/2012</a:t>
+              <a:t>22/03/2012</a:t>
             </a:fld>
             <a:endParaRPr lang="es-CO"/>
           </a:p>
@@ -364,6 +364,11 @@
         </p:txBody>
       </p:sp>
     </p:spTree>
+    <p:extLst>
+      <p:ext uri="{BB962C8B-B14F-4D97-AF65-F5344CB8AC3E}">
+        <p14:creationId xmlns:p14="http://schemas.microsoft.com/office/powerpoint/2010/main" val="3715126184"/>
+      </p:ext>
+    </p:extLst>
   </p:cSld>
   <p:clrMap bg1="lt1" tx1="dk1" bg2="lt2" tx2="dk2" accent1="accent1" accent2="accent2" accent3="accent3" accent4="accent4" accent5="accent5" accent6="accent6" hlink="hlink" folHlink="folHlink"/>
   <p:notesStyle>
@@ -725,7 +730,7 @@
             <a:fld id="{93102B3C-62CC-48D7-BE30-F9D4E7DEC3B6}" type="datetimeFigureOut">
               <a:rPr lang="es-CO" smtClean="0"/>
               <a:pPr/>
-              <a:t>21/03/2012</a:t>
+              <a:t>22/03/2012</a:t>
             </a:fld>
             <a:endParaRPr lang="es-CO"/>
           </a:p>
@@ -892,7 +897,7 @@
             <a:fld id="{93102B3C-62CC-48D7-BE30-F9D4E7DEC3B6}" type="datetimeFigureOut">
               <a:rPr lang="es-CO" smtClean="0"/>
               <a:pPr/>
-              <a:t>21/03/2012</a:t>
+              <a:t>22/03/2012</a:t>
             </a:fld>
             <a:endParaRPr lang="es-CO"/>
           </a:p>
@@ -1069,7 +1074,7 @@
             <a:fld id="{93102B3C-62CC-48D7-BE30-F9D4E7DEC3B6}" type="datetimeFigureOut">
               <a:rPr lang="es-CO" smtClean="0"/>
               <a:pPr/>
-              <a:t>21/03/2012</a:t>
+              <a:t>22/03/2012</a:t>
             </a:fld>
             <a:endParaRPr lang="es-CO"/>
           </a:p>
@@ -1236,7 +1241,7 @@
             <a:fld id="{93102B3C-62CC-48D7-BE30-F9D4E7DEC3B6}" type="datetimeFigureOut">
               <a:rPr lang="es-CO" smtClean="0"/>
               <a:pPr/>
-              <a:t>21/03/2012</a:t>
+              <a:t>22/03/2012</a:t>
             </a:fld>
             <a:endParaRPr lang="es-CO"/>
           </a:p>
@@ -1479,7 +1484,7 @@
             <a:fld id="{93102B3C-62CC-48D7-BE30-F9D4E7DEC3B6}" type="datetimeFigureOut">
               <a:rPr lang="es-CO" smtClean="0"/>
               <a:pPr/>
-              <a:t>21/03/2012</a:t>
+              <a:t>22/03/2012</a:t>
             </a:fld>
             <a:endParaRPr lang="es-CO"/>
           </a:p>
@@ -1764,7 +1769,7 @@
             <a:fld id="{93102B3C-62CC-48D7-BE30-F9D4E7DEC3B6}" type="datetimeFigureOut">
               <a:rPr lang="es-CO" smtClean="0"/>
               <a:pPr/>
-              <a:t>21/03/2012</a:t>
+              <a:t>22/03/2012</a:t>
             </a:fld>
             <a:endParaRPr lang="es-CO"/>
           </a:p>
@@ -2183,7 +2188,7 @@
             <a:fld id="{93102B3C-62CC-48D7-BE30-F9D4E7DEC3B6}" type="datetimeFigureOut">
               <a:rPr lang="es-CO" smtClean="0"/>
               <a:pPr/>
-              <a:t>21/03/2012</a:t>
+              <a:t>22/03/2012</a:t>
             </a:fld>
             <a:endParaRPr lang="es-CO"/>
           </a:p>
@@ -2298,7 +2303,7 @@
             <a:fld id="{93102B3C-62CC-48D7-BE30-F9D4E7DEC3B6}" type="datetimeFigureOut">
               <a:rPr lang="es-CO" smtClean="0"/>
               <a:pPr/>
-              <a:t>21/03/2012</a:t>
+              <a:t>22/03/2012</a:t>
             </a:fld>
             <a:endParaRPr lang="es-CO"/>
           </a:p>
@@ -2390,7 +2395,7 @@
             <a:fld id="{93102B3C-62CC-48D7-BE30-F9D4E7DEC3B6}" type="datetimeFigureOut">
               <a:rPr lang="es-CO" smtClean="0"/>
               <a:pPr/>
-              <a:t>21/03/2012</a:t>
+              <a:t>22/03/2012</a:t>
             </a:fld>
             <a:endParaRPr lang="es-CO"/>
           </a:p>
@@ -2664,7 +2669,7 @@
             <a:fld id="{93102B3C-62CC-48D7-BE30-F9D4E7DEC3B6}" type="datetimeFigureOut">
               <a:rPr lang="es-CO" smtClean="0"/>
               <a:pPr/>
-              <a:t>21/03/2012</a:t>
+              <a:t>22/03/2012</a:t>
             </a:fld>
             <a:endParaRPr lang="es-CO"/>
           </a:p>
@@ -2914,7 +2919,7 @@
             <a:fld id="{93102B3C-62CC-48D7-BE30-F9D4E7DEC3B6}" type="datetimeFigureOut">
               <a:rPr lang="es-CO" smtClean="0"/>
               <a:pPr/>
-              <a:t>21/03/2012</a:t>
+              <a:t>22/03/2012</a:t>
             </a:fld>
             <a:endParaRPr lang="es-CO"/>
           </a:p>
@@ -3124,7 +3129,7 @@
             <a:fld id="{93102B3C-62CC-48D7-BE30-F9D4E7DEC3B6}" type="datetimeFigureOut">
               <a:rPr lang="es-CO" smtClean="0"/>
               <a:pPr/>
-              <a:t>21/03/2012</a:t>
+              <a:t>22/03/2012</a:t>
             </a:fld>
             <a:endParaRPr lang="es-CO"/>
           </a:p>
@@ -4427,30 +4432,6 @@
           </a:p>
         </p:txBody>
       </p:sp>
-      <p:pic>
-        <p:nvPicPr>
-          <p:cNvPr id="7" name="6 Imagen" descr="stock-illustration-6135724-stop-watch-icon.jpg"/>
-          <p:cNvPicPr>
-            <a:picLocks noChangeAspect="1"/>
-          </p:cNvPicPr>
-          <p:nvPr/>
-        </p:nvPicPr>
-        <p:blipFill>
-          <a:blip r:embed="rId2" cstate="print"/>
-          <a:stretch>
-            <a:fillRect/>
-          </a:stretch>
-        </p:blipFill>
-        <p:spPr>
-          <a:xfrm>
-            <a:off x="4788024" y="1988840"/>
-            <a:ext cx="504056" cy="666654"/>
-          </a:xfrm>
-          <a:prstGeom prst="rect">
-            <a:avLst/>
-          </a:prstGeom>
-        </p:spPr>
-      </p:pic>
       <p:sp>
         <p:nvSpPr>
           <p:cNvPr id="9" name="8 Rectángulo"/>
@@ -4973,6 +4954,81 @@
       <p:pic>
         <p:nvPicPr>
           <p:cNvPr id="1033" name="Picture 9"/>
+          <p:cNvPicPr>
+            <a:picLocks noChangeAspect="1" noChangeArrowheads="1"/>
+          </p:cNvPicPr>
+          <p:nvPr/>
+        </p:nvPicPr>
+        <p:blipFill>
+          <a:blip r:embed="rId2" cstate="print">
+            <a:clrChange>
+              <a:clrFrom>
+                <a:srgbClr val="FFFFFF"/>
+              </a:clrFrom>
+              <a:clrTo>
+                <a:srgbClr val="FFFFFF">
+                  <a:alpha val="0"/>
+                </a:srgbClr>
+              </a:clrTo>
+            </a:clrChange>
+          </a:blip>
+          <a:srcRect/>
+          <a:stretch>
+            <a:fillRect/>
+          </a:stretch>
+        </p:blipFill>
+        <p:spPr bwMode="auto">
+          <a:xfrm>
+            <a:off x="4572000" y="4149081"/>
+            <a:ext cx="74491" cy="216024"/>
+          </a:xfrm>
+          <a:prstGeom prst="rect">
+            <a:avLst/>
+          </a:prstGeom>
+          <a:noFill/>
+        </p:spPr>
+      </p:pic>
+      <p:sp>
+        <p:nvSpPr>
+          <p:cNvPr id="1036" name="Rectangle 12"/>
+          <p:cNvSpPr>
+            <a:spLocks noChangeArrowheads="1"/>
+          </p:cNvSpPr>
+          <p:nvPr/>
+        </p:nvSpPr>
+        <p:spPr bwMode="auto">
+          <a:xfrm>
+            <a:off x="0" y="0"/>
+            <a:ext cx="9144000" cy="0"/>
+          </a:xfrm>
+          <a:prstGeom prst="rect">
+            <a:avLst/>
+          </a:prstGeom>
+          <a:noFill/>
+          <a:ln w="9525">
+            <a:noFill/>
+            <a:miter lim="800000"/>
+            <a:headEnd/>
+            <a:tailEnd/>
+          </a:ln>
+          <a:effectLst/>
+        </p:spPr>
+        <p:txBody>
+          <a:bodyPr vert="horz" wrap="none" lIns="91440" tIns="45720" rIns="91440" bIns="45720" numCol="1" anchor="ctr" anchorCtr="0" compatLnSpc="1">
+            <a:prstTxWarp prst="textNoShape">
+              <a:avLst/>
+            </a:prstTxWarp>
+            <a:spAutoFit/>
+          </a:bodyPr>
+          <a:lstStyle/>
+          <a:p>
+            <a:endParaRPr lang="es-CO"/>
+          </a:p>
+        </p:txBody>
+      </p:sp>
+      <p:pic>
+        <p:nvPicPr>
+          <p:cNvPr id="42" name="Picture 11"/>
           <p:cNvPicPr>
             <a:picLocks noChangeAspect="1" noChangeArrowheads="1"/>
           </p:cNvPicPr>
@@ -4998,8 +5054,8 @@
         </p:blipFill>
         <p:spPr bwMode="auto">
           <a:xfrm>
-            <a:off x="4572000" y="4149081"/>
-            <a:ext cx="74491" cy="216024"/>
+            <a:off x="3851921" y="4149081"/>
+            <a:ext cx="288031" cy="177721"/>
           </a:xfrm>
           <a:prstGeom prst="rect">
             <a:avLst/>
@@ -5009,7 +5065,7 @@
       </p:pic>
       <p:sp>
         <p:nvSpPr>
-          <p:cNvPr id="1036" name="Rectangle 12"/>
+          <p:cNvPr id="1038" name="Rectangle 14"/>
           <p:cNvSpPr>
             <a:spLocks noChangeArrowheads="1"/>
           </p:cNvSpPr>
@@ -5047,7 +5103,7 @@
       </p:sp>
       <p:pic>
         <p:nvPicPr>
-          <p:cNvPr id="42" name="Picture 11"/>
+          <p:cNvPr id="1037" name="Picture 13"/>
           <p:cNvPicPr>
             <a:picLocks noChangeAspect="1" noChangeArrowheads="1"/>
           </p:cNvPicPr>
@@ -5073,7 +5129,7 @@
         </p:blipFill>
         <p:spPr bwMode="auto">
           <a:xfrm>
-            <a:off x="3851921" y="4149081"/>
+            <a:off x="3275857" y="4149081"/>
             <a:ext cx="288031" cy="177721"/>
           </a:xfrm>
           <a:prstGeom prst="rect">
@@ -5084,7 +5140,7 @@
       </p:pic>
       <p:sp>
         <p:nvSpPr>
-          <p:cNvPr id="1038" name="Rectangle 14"/>
+          <p:cNvPr id="1040" name="Rectangle 16"/>
           <p:cNvSpPr>
             <a:spLocks noChangeArrowheads="1"/>
           </p:cNvSpPr>
@@ -5122,7 +5178,7 @@
       </p:sp>
       <p:pic>
         <p:nvPicPr>
-          <p:cNvPr id="1037" name="Picture 13"/>
+          <p:cNvPr id="1039" name="Picture 15"/>
           <p:cNvPicPr>
             <a:picLocks noChangeAspect="1" noChangeArrowheads="1"/>
           </p:cNvPicPr>
@@ -5148,7 +5204,7 @@
         </p:blipFill>
         <p:spPr bwMode="auto">
           <a:xfrm>
-            <a:off x="3275857" y="4149081"/>
+            <a:off x="2699793" y="4149081"/>
             <a:ext cx="288031" cy="177721"/>
           </a:xfrm>
           <a:prstGeom prst="rect">
@@ -5159,7 +5215,7 @@
       </p:pic>
       <p:sp>
         <p:nvSpPr>
-          <p:cNvPr id="1040" name="Rectangle 16"/>
+          <p:cNvPr id="1042" name="Rectangle 18"/>
           <p:cNvSpPr>
             <a:spLocks noChangeArrowheads="1"/>
           </p:cNvSpPr>
@@ -5197,7 +5253,7 @@
       </p:sp>
       <p:pic>
         <p:nvPicPr>
-          <p:cNvPr id="1039" name="Picture 15"/>
+          <p:cNvPr id="1041" name="Picture 17"/>
           <p:cNvPicPr>
             <a:picLocks noChangeAspect="1" noChangeArrowheads="1"/>
           </p:cNvPicPr>
@@ -5223,8 +5279,8 @@
         </p:blipFill>
         <p:spPr bwMode="auto">
           <a:xfrm>
-            <a:off x="2699793" y="4149081"/>
-            <a:ext cx="288031" cy="177721"/>
+            <a:off x="2195736" y="4149081"/>
+            <a:ext cx="288032" cy="177722"/>
           </a:xfrm>
           <a:prstGeom prst="rect">
             <a:avLst/>
@@ -5234,7 +5290,7 @@
       </p:pic>
       <p:sp>
         <p:nvSpPr>
-          <p:cNvPr id="1042" name="Rectangle 18"/>
+          <p:cNvPr id="1044" name="Rectangle 20"/>
           <p:cNvSpPr>
             <a:spLocks noChangeArrowheads="1"/>
           </p:cNvSpPr>
@@ -5272,7 +5328,7 @@
       </p:sp>
       <p:pic>
         <p:nvPicPr>
-          <p:cNvPr id="1041" name="Picture 17"/>
+          <p:cNvPr id="1043" name="Picture 19"/>
           <p:cNvPicPr>
             <a:picLocks noChangeAspect="1" noChangeArrowheads="1"/>
           </p:cNvPicPr>
@@ -5298,7 +5354,7 @@
         </p:blipFill>
         <p:spPr bwMode="auto">
           <a:xfrm>
-            <a:off x="2195736" y="4149081"/>
+            <a:off x="1619672" y="4149081"/>
             <a:ext cx="288032" cy="177722"/>
           </a:xfrm>
           <a:prstGeom prst="rect">
@@ -5307,9 +5363,43 @@
           <a:noFill/>
         </p:spPr>
       </p:pic>
-      <p:sp>
-        <p:nvSpPr>
-          <p:cNvPr id="1044" name="Rectangle 20"/>
+      <p:cxnSp>
+        <p:nvCxnSpPr>
+          <p:cNvPr id="54" name="53 Conector recto de flecha"/>
+          <p:cNvCxnSpPr/>
+          <p:nvPr/>
+        </p:nvCxnSpPr>
+        <p:spPr>
+          <a:xfrm flipH="1">
+            <a:off x="1043608" y="4149080"/>
+            <a:ext cx="432048" cy="0"/>
+          </a:xfrm>
+          <a:prstGeom prst="straightConnector1">
+            <a:avLst/>
+          </a:prstGeom>
+          <a:ln>
+            <a:prstDash val="sysDash"/>
+            <a:tailEnd type="arrow"/>
+          </a:ln>
+        </p:spPr>
+        <p:style>
+          <a:lnRef idx="1">
+            <a:schemeClr val="accent1"/>
+          </a:lnRef>
+          <a:fillRef idx="0">
+            <a:schemeClr val="accent1"/>
+          </a:fillRef>
+          <a:effectRef idx="0">
+            <a:schemeClr val="accent1"/>
+          </a:effectRef>
+          <a:fontRef idx="minor">
+            <a:schemeClr val="tx1"/>
+          </a:fontRef>
+        </p:style>
+      </p:cxnSp>
+      <p:sp>
+        <p:nvSpPr>
+          <p:cNvPr id="1046" name="Rectangle 22"/>
           <p:cNvSpPr>
             <a:spLocks noChangeArrowheads="1"/>
           </p:cNvSpPr>
@@ -5347,7 +5437,7 @@
       </p:sp>
       <p:pic>
         <p:nvPicPr>
-          <p:cNvPr id="1043" name="Picture 19"/>
+          <p:cNvPr id="1045" name="Picture 21"/>
           <p:cNvPicPr>
             <a:picLocks noChangeAspect="1" noChangeArrowheads="1"/>
           </p:cNvPicPr>
@@ -5373,8 +5463,8 @@
         </p:blipFill>
         <p:spPr bwMode="auto">
           <a:xfrm>
-            <a:off x="1619672" y="4149081"/>
-            <a:ext cx="288032" cy="177722"/>
+            <a:off x="971600" y="4149081"/>
+            <a:ext cx="360040" cy="217524"/>
           </a:xfrm>
           <a:prstGeom prst="rect">
             <a:avLst/>
@@ -5382,43 +5472,52 @@
           <a:noFill/>
         </p:spPr>
       </p:pic>
-      <p:cxnSp>
-        <p:nvCxnSpPr>
-          <p:cNvPr id="54" name="53 Conector recto de flecha"/>
-          <p:cNvCxnSpPr/>
+      <p:sp>
+        <p:nvSpPr>
+          <p:cNvPr id="60" name="59 Rectángulo redondeado"/>
+          <p:cNvSpPr/>
           <p:nvPr/>
-        </p:nvCxnSpPr>
-        <p:spPr>
-          <a:xfrm flipH="1">
-            <a:off x="1043608" y="4149080"/>
-            <a:ext cx="432048" cy="0"/>
-          </a:xfrm>
-          <a:prstGeom prst="straightConnector1">
-            <a:avLst/>
-          </a:prstGeom>
-          <a:ln>
-            <a:prstDash val="sysDash"/>
-            <a:tailEnd type="arrow"/>
-          </a:ln>
+        </p:nvSpPr>
+        <p:spPr>
+          <a:xfrm>
+            <a:off x="6228184" y="2780928"/>
+            <a:ext cx="2376264" cy="1008112"/>
+          </a:xfrm>
+          <a:prstGeom prst="roundRect">
+            <a:avLst/>
+          </a:prstGeom>
+          <a:ln w="12700"/>
         </p:spPr>
         <p:style>
-          <a:lnRef idx="1">
-            <a:schemeClr val="accent1"/>
+          <a:lnRef idx="2">
+            <a:schemeClr val="accent6"/>
           </a:lnRef>
-          <a:fillRef idx="0">
-            <a:schemeClr val="accent1"/>
+          <a:fillRef idx="1">
+            <a:schemeClr val="lt1"/>
           </a:fillRef>
           <a:effectRef idx="0">
-            <a:schemeClr val="accent1"/>
+            <a:schemeClr val="accent6"/>
           </a:effectRef>
           <a:fontRef idx="minor">
-            <a:schemeClr val="tx1"/>
+            <a:schemeClr val="dk1"/>
           </a:fontRef>
         </p:style>
-      </p:cxnSp>
-      <p:sp>
-        <p:nvSpPr>
-          <p:cNvPr id="1046" name="Rectangle 22"/>
+        <p:txBody>
+          <a:bodyPr rtlCol="0" anchor="t" anchorCtr="0"/>
+          <a:lstStyle/>
+          <a:p>
+            <a:pPr algn="ctr"/>
+            <a:r>
+              <a:rPr lang="es-CO" sz="1400" dirty="0" smtClean="0"/>
+              <a:t>Analizador de conflicto de reservadas anticipadas e inmediatas</a:t>
+            </a:r>
+            <a:endParaRPr lang="es-CO" sz="1400" dirty="0"/>
+          </a:p>
+        </p:txBody>
+      </p:sp>
+      <p:sp>
+        <p:nvSpPr>
+          <p:cNvPr id="1048" name="Rectangle 24"/>
           <p:cNvSpPr>
             <a:spLocks noChangeArrowheads="1"/>
           </p:cNvSpPr>
@@ -5456,7 +5555,7 @@
       </p:sp>
       <p:pic>
         <p:nvPicPr>
-          <p:cNvPr id="1045" name="Picture 21"/>
+          <p:cNvPr id="1047" name="Picture 23"/>
           <p:cNvPicPr>
             <a:picLocks noChangeAspect="1" noChangeArrowheads="1"/>
           </p:cNvPicPr>
@@ -5482,8 +5581,8 @@
         </p:blipFill>
         <p:spPr bwMode="auto">
           <a:xfrm>
-            <a:off x="971600" y="4149081"/>
-            <a:ext cx="360040" cy="217524"/>
+            <a:off x="1619672" y="4365104"/>
+            <a:ext cx="2611736" cy="201437"/>
           </a:xfrm>
           <a:prstGeom prst="rect">
             <a:avLst/>
@@ -5493,50 +5592,7 @@
       </p:pic>
       <p:sp>
         <p:nvSpPr>
-          <p:cNvPr id="60" name="59 Rectángulo redondeado"/>
-          <p:cNvSpPr/>
-          <p:nvPr/>
-        </p:nvSpPr>
-        <p:spPr>
-          <a:xfrm>
-            <a:off x="6228184" y="2780928"/>
-            <a:ext cx="2376264" cy="1008112"/>
-          </a:xfrm>
-          <a:prstGeom prst="roundRect">
-            <a:avLst/>
-          </a:prstGeom>
-          <a:ln w="12700"/>
-        </p:spPr>
-        <p:style>
-          <a:lnRef idx="2">
-            <a:schemeClr val="accent6"/>
-          </a:lnRef>
-          <a:fillRef idx="1">
-            <a:schemeClr val="lt1"/>
-          </a:fillRef>
-          <a:effectRef idx="0">
-            <a:schemeClr val="accent6"/>
-          </a:effectRef>
-          <a:fontRef idx="minor">
-            <a:schemeClr val="dk1"/>
-          </a:fontRef>
-        </p:style>
-        <p:txBody>
-          <a:bodyPr rtlCol="0" anchor="t" anchorCtr="0"/>
-          <a:lstStyle/>
-          <a:p>
-            <a:pPr algn="ctr"/>
-            <a:r>
-              <a:rPr lang="es-CO" sz="1400" dirty="0" smtClean="0"/>
-              <a:t>Analizador de conflicto de reservadas anticipadas e inmediatas</a:t>
-            </a:r>
-            <a:endParaRPr lang="es-CO" sz="1400" dirty="0"/>
-          </a:p>
-        </p:txBody>
-      </p:sp>
-      <p:sp>
-        <p:nvSpPr>
-          <p:cNvPr id="1048" name="Rectangle 24"/>
+          <p:cNvPr id="1050" name="Rectangle 26"/>
           <p:cNvSpPr>
             <a:spLocks noChangeArrowheads="1"/>
           </p:cNvSpPr>
@@ -5572,9 +5628,95 @@
           </a:p>
         </p:txBody>
       </p:sp>
+      <p:sp>
+        <p:nvSpPr>
+          <p:cNvPr id="65" name="64 Flecha arriba y abajo"/>
+          <p:cNvSpPr/>
+          <p:nvPr/>
+        </p:nvSpPr>
+        <p:spPr>
+          <a:xfrm rot="5400000">
+            <a:off x="5544108" y="2816932"/>
+            <a:ext cx="432048" cy="936104"/>
+          </a:xfrm>
+          <a:prstGeom prst="upDownArrow">
+            <a:avLst/>
+          </a:prstGeom>
+          <a:noFill/>
+          <a:ln w="6350">
+            <a:solidFill>
+              <a:schemeClr val="accent6">
+                <a:lumMod val="75000"/>
+              </a:schemeClr>
+            </a:solidFill>
+          </a:ln>
+        </p:spPr>
+        <p:style>
+          <a:lnRef idx="2">
+            <a:schemeClr val="accent1">
+              <a:shade val="50000"/>
+            </a:schemeClr>
+          </a:lnRef>
+          <a:fillRef idx="1">
+            <a:schemeClr val="accent1"/>
+          </a:fillRef>
+          <a:effectRef idx="0">
+            <a:schemeClr val="accent1"/>
+          </a:effectRef>
+          <a:fontRef idx="minor">
+            <a:schemeClr val="lt1"/>
+          </a:fontRef>
+        </p:style>
+        <p:txBody>
+          <a:bodyPr rtlCol="0" anchor="ctr"/>
+          <a:lstStyle/>
+          <a:p>
+            <a:pPr algn="ctr"/>
+            <a:endParaRPr lang="es-CO"/>
+          </a:p>
+        </p:txBody>
+      </p:sp>
+      <p:sp>
+        <p:nvSpPr>
+          <p:cNvPr id="1052" name="Rectangle 28"/>
+          <p:cNvSpPr>
+            <a:spLocks noChangeArrowheads="1"/>
+          </p:cNvSpPr>
+          <p:nvPr/>
+        </p:nvSpPr>
+        <p:spPr bwMode="auto">
+          <a:xfrm>
+            <a:off x="0" y="0"/>
+            <a:ext cx="9144000" cy="0"/>
+          </a:xfrm>
+          <a:prstGeom prst="rect">
+            <a:avLst/>
+          </a:prstGeom>
+          <a:noFill/>
+          <a:ln w="9525">
+            <a:noFill/>
+            <a:miter lim="800000"/>
+            <a:headEnd/>
+            <a:tailEnd/>
+          </a:ln>
+          <a:effectLst/>
+        </p:spPr>
+        <p:txBody>
+          <a:bodyPr vert="horz" wrap="none" lIns="91440" tIns="45720" rIns="91440" bIns="45720" numCol="1" anchor="ctr" anchorCtr="0" compatLnSpc="1">
+            <a:prstTxWarp prst="textNoShape">
+              <a:avLst/>
+            </a:prstTxWarp>
+            <a:spAutoFit/>
+          </a:bodyPr>
+          <a:lstStyle/>
+          <a:p>
+            <a:endParaRPr lang="es-CO"/>
+          </a:p>
+        </p:txBody>
+      </p:sp>
       <p:pic>
         <p:nvPicPr>
-          <p:cNvPr id="1047" name="Picture 23"/>
+          <p:cNvPr id="1051" name="Picture 27"/>
           <p:cNvPicPr>
             <a:picLocks noChangeAspect="1" noChangeArrowheads="1"/>
           </p:cNvPicPr>
@@ -5600,167 +5742,6 @@
         </p:blipFill>
         <p:spPr bwMode="auto">
           <a:xfrm>
-            <a:off x="1619672" y="4365104"/>
-            <a:ext cx="2611736" cy="201437"/>
-          </a:xfrm>
-          <a:prstGeom prst="rect">
-            <a:avLst/>
-          </a:prstGeom>
-          <a:noFill/>
-        </p:spPr>
-      </p:pic>
-      <p:sp>
-        <p:nvSpPr>
-          <p:cNvPr id="1050" name="Rectangle 26"/>
-          <p:cNvSpPr>
-            <a:spLocks noChangeArrowheads="1"/>
-          </p:cNvSpPr>
-          <p:nvPr/>
-        </p:nvSpPr>
-        <p:spPr bwMode="auto">
-          <a:xfrm>
-            <a:off x="0" y="0"/>
-            <a:ext cx="9144000" cy="0"/>
-          </a:xfrm>
-          <a:prstGeom prst="rect">
-            <a:avLst/>
-          </a:prstGeom>
-          <a:noFill/>
-          <a:ln w="9525">
-            <a:noFill/>
-            <a:miter lim="800000"/>
-            <a:headEnd/>
-            <a:tailEnd/>
-          </a:ln>
-          <a:effectLst/>
-        </p:spPr>
-        <p:txBody>
-          <a:bodyPr vert="horz" wrap="none" lIns="91440" tIns="45720" rIns="91440" bIns="45720" numCol="1" anchor="ctr" anchorCtr="0" compatLnSpc="1">
-            <a:prstTxWarp prst="textNoShape">
-              <a:avLst/>
-            </a:prstTxWarp>
-            <a:spAutoFit/>
-          </a:bodyPr>
-          <a:lstStyle/>
-          <a:p>
-            <a:endParaRPr lang="es-CO"/>
-          </a:p>
-        </p:txBody>
-      </p:sp>
-      <p:sp>
-        <p:nvSpPr>
-          <p:cNvPr id="65" name="64 Flecha arriba y abajo"/>
-          <p:cNvSpPr/>
-          <p:nvPr/>
-        </p:nvSpPr>
-        <p:spPr>
-          <a:xfrm rot="5400000">
-            <a:off x="5544108" y="2816932"/>
-            <a:ext cx="432048" cy="936104"/>
-          </a:xfrm>
-          <a:prstGeom prst="upDownArrow">
-            <a:avLst/>
-          </a:prstGeom>
-          <a:noFill/>
-          <a:ln w="6350">
-            <a:solidFill>
-              <a:schemeClr val="accent6">
-                <a:lumMod val="75000"/>
-              </a:schemeClr>
-            </a:solidFill>
-          </a:ln>
-        </p:spPr>
-        <p:style>
-          <a:lnRef idx="2">
-            <a:schemeClr val="accent1">
-              <a:shade val="50000"/>
-            </a:schemeClr>
-          </a:lnRef>
-          <a:fillRef idx="1">
-            <a:schemeClr val="accent1"/>
-          </a:fillRef>
-          <a:effectRef idx="0">
-            <a:schemeClr val="accent1"/>
-          </a:effectRef>
-          <a:fontRef idx="minor">
-            <a:schemeClr val="lt1"/>
-          </a:fontRef>
-        </p:style>
-        <p:txBody>
-          <a:bodyPr rtlCol="0" anchor="ctr"/>
-          <a:lstStyle/>
-          <a:p>
-            <a:pPr algn="ctr"/>
-            <a:endParaRPr lang="es-CO"/>
-          </a:p>
-        </p:txBody>
-      </p:sp>
-      <p:sp>
-        <p:nvSpPr>
-          <p:cNvPr id="1052" name="Rectangle 28"/>
-          <p:cNvSpPr>
-            <a:spLocks noChangeArrowheads="1"/>
-          </p:cNvSpPr>
-          <p:nvPr/>
-        </p:nvSpPr>
-        <p:spPr bwMode="auto">
-          <a:xfrm>
-            <a:off x="0" y="0"/>
-            <a:ext cx="9144000" cy="0"/>
-          </a:xfrm>
-          <a:prstGeom prst="rect">
-            <a:avLst/>
-          </a:prstGeom>
-          <a:noFill/>
-          <a:ln w="9525">
-            <a:noFill/>
-            <a:miter lim="800000"/>
-            <a:headEnd/>
-            <a:tailEnd/>
-          </a:ln>
-          <a:effectLst/>
-        </p:spPr>
-        <p:txBody>
-          <a:bodyPr vert="horz" wrap="none" lIns="91440" tIns="45720" rIns="91440" bIns="45720" numCol="1" anchor="ctr" anchorCtr="0" compatLnSpc="1">
-            <a:prstTxWarp prst="textNoShape">
-              <a:avLst/>
-            </a:prstTxWarp>
-            <a:spAutoFit/>
-          </a:bodyPr>
-          <a:lstStyle/>
-          <a:p>
-            <a:endParaRPr lang="es-CO"/>
-          </a:p>
-        </p:txBody>
-      </p:sp>
-      <p:pic>
-        <p:nvPicPr>
-          <p:cNvPr id="1051" name="Picture 27"/>
-          <p:cNvPicPr>
-            <a:picLocks noChangeAspect="1" noChangeArrowheads="1"/>
-          </p:cNvPicPr>
-          <p:nvPr/>
-        </p:nvPicPr>
-        <p:blipFill>
-          <a:blip r:embed="rId11" cstate="print">
-            <a:clrChange>
-              <a:clrFrom>
-                <a:srgbClr val="FFFFFF"/>
-              </a:clrFrom>
-              <a:clrTo>
-                <a:srgbClr val="FFFFFF">
-                  <a:alpha val="0"/>
-                </a:srgbClr>
-              </a:clrTo>
-            </a:clrChange>
-          </a:blip>
-          <a:srcRect/>
-          <a:stretch>
-            <a:fillRect/>
-          </a:stretch>
-        </p:blipFill>
-        <p:spPr bwMode="auto">
-          <a:xfrm>
             <a:off x="1619672" y="4509121"/>
             <a:ext cx="2664296" cy="194132"/>
           </a:xfrm>
@@ -6027,6 +6008,30 @@
           </a:p>
         </p:txBody>
       </p:sp>
+      <p:pic>
+        <p:nvPicPr>
+          <p:cNvPr id="7" name="6 Imagen" descr="stock-illustration-6135724-stop-watch-icon.jpg"/>
+          <p:cNvPicPr>
+            <a:picLocks noChangeAspect="1"/>
+          </p:cNvPicPr>
+          <p:nvPr/>
+        </p:nvPicPr>
+        <p:blipFill>
+          <a:blip r:embed="rId11" cstate="print"/>
+          <a:stretch>
+            <a:fillRect/>
+          </a:stretch>
+        </p:blipFill>
+        <p:spPr>
+          <a:xfrm>
+            <a:off x="4646491" y="2393130"/>
+            <a:ext cx="504056" cy="666654"/>
+          </a:xfrm>
+          <a:prstGeom prst="rect">
+            <a:avLst/>
+          </a:prstGeom>
+        </p:spPr>
+      </p:pic>
     </p:spTree>
   </p:cSld>
   <p:clrMapOvr>

--- a/Graficas de arquitectura ag2.pptx
+++ b/Graficas de arquitectura ag2.pptx
@@ -5,12 +5,13 @@
     <p:sldMasterId id="2147483648" r:id="rId1"/>
   </p:sldMasterIdLst>
   <p:notesMasterIdLst>
-    <p:notesMasterId r:id="rId5"/>
+    <p:notesMasterId r:id="rId6"/>
   </p:notesMasterIdLst>
   <p:sldIdLst>
     <p:sldId id="257" r:id="rId2"/>
     <p:sldId id="256" r:id="rId3"/>
     <p:sldId id="258" r:id="rId4"/>
+    <p:sldId id="259" r:id="rId5"/>
   </p:sldIdLst>
   <p:sldSz cx="9144000" cy="6858000" type="screen4x3"/>
   <p:notesSz cx="6858000" cy="9144000"/>
@@ -195,7 +196,7 @@
             <a:fld id="{1B4265EF-58C5-4CF3-9A79-F16CBA089DB8}" type="datetimeFigureOut">
               <a:rPr lang="es-CO" smtClean="0"/>
               <a:pPr/>
-              <a:t>22/03/2012</a:t>
+              <a:t>26/03/2012</a:t>
             </a:fld>
             <a:endParaRPr lang="es-CO"/>
           </a:p>
@@ -366,7 +367,7 @@
     </p:spTree>
     <p:extLst>
       <p:ext uri="{BB962C8B-B14F-4D97-AF65-F5344CB8AC3E}">
-        <p14:creationId xmlns:p14="http://schemas.microsoft.com/office/powerpoint/2010/main" val="3715126184"/>
+        <p14:creationId xmlns:p14="http://schemas.microsoft.com/office/powerpoint/2010/main" xmlns="" val="3715126184"/>
       </p:ext>
     </p:extLst>
   </p:cSld>
@@ -730,7 +731,7 @@
             <a:fld id="{93102B3C-62CC-48D7-BE30-F9D4E7DEC3B6}" type="datetimeFigureOut">
               <a:rPr lang="es-CO" smtClean="0"/>
               <a:pPr/>
-              <a:t>22/03/2012</a:t>
+              <a:t>26/03/2012</a:t>
             </a:fld>
             <a:endParaRPr lang="es-CO"/>
           </a:p>
@@ -897,7 +898,7 @@
             <a:fld id="{93102B3C-62CC-48D7-BE30-F9D4E7DEC3B6}" type="datetimeFigureOut">
               <a:rPr lang="es-CO" smtClean="0"/>
               <a:pPr/>
-              <a:t>22/03/2012</a:t>
+              <a:t>26/03/2012</a:t>
             </a:fld>
             <a:endParaRPr lang="es-CO"/>
           </a:p>
@@ -1074,7 +1075,7 @@
             <a:fld id="{93102B3C-62CC-48D7-BE30-F9D4E7DEC3B6}" type="datetimeFigureOut">
               <a:rPr lang="es-CO" smtClean="0"/>
               <a:pPr/>
-              <a:t>22/03/2012</a:t>
+              <a:t>26/03/2012</a:t>
             </a:fld>
             <a:endParaRPr lang="es-CO"/>
           </a:p>
@@ -1241,7 +1242,7 @@
             <a:fld id="{93102B3C-62CC-48D7-BE30-F9D4E7DEC3B6}" type="datetimeFigureOut">
               <a:rPr lang="es-CO" smtClean="0"/>
               <a:pPr/>
-              <a:t>22/03/2012</a:t>
+              <a:t>26/03/2012</a:t>
             </a:fld>
             <a:endParaRPr lang="es-CO"/>
           </a:p>
@@ -1484,7 +1485,7 @@
             <a:fld id="{93102B3C-62CC-48D7-BE30-F9D4E7DEC3B6}" type="datetimeFigureOut">
               <a:rPr lang="es-CO" smtClean="0"/>
               <a:pPr/>
-              <a:t>22/03/2012</a:t>
+              <a:t>26/03/2012</a:t>
             </a:fld>
             <a:endParaRPr lang="es-CO"/>
           </a:p>
@@ -1769,7 +1770,7 @@
             <a:fld id="{93102B3C-62CC-48D7-BE30-F9D4E7DEC3B6}" type="datetimeFigureOut">
               <a:rPr lang="es-CO" smtClean="0"/>
               <a:pPr/>
-              <a:t>22/03/2012</a:t>
+              <a:t>26/03/2012</a:t>
             </a:fld>
             <a:endParaRPr lang="es-CO"/>
           </a:p>
@@ -2188,7 +2189,7 @@
             <a:fld id="{93102B3C-62CC-48D7-BE30-F9D4E7DEC3B6}" type="datetimeFigureOut">
               <a:rPr lang="es-CO" smtClean="0"/>
               <a:pPr/>
-              <a:t>22/03/2012</a:t>
+              <a:t>26/03/2012</a:t>
             </a:fld>
             <a:endParaRPr lang="es-CO"/>
           </a:p>
@@ -2303,7 +2304,7 @@
             <a:fld id="{93102B3C-62CC-48D7-BE30-F9D4E7DEC3B6}" type="datetimeFigureOut">
               <a:rPr lang="es-CO" smtClean="0"/>
               <a:pPr/>
-              <a:t>22/03/2012</a:t>
+              <a:t>26/03/2012</a:t>
             </a:fld>
             <a:endParaRPr lang="es-CO"/>
           </a:p>
@@ -2395,7 +2396,7 @@
             <a:fld id="{93102B3C-62CC-48D7-BE30-F9D4E7DEC3B6}" type="datetimeFigureOut">
               <a:rPr lang="es-CO" smtClean="0"/>
               <a:pPr/>
-              <a:t>22/03/2012</a:t>
+              <a:t>26/03/2012</a:t>
             </a:fld>
             <a:endParaRPr lang="es-CO"/>
           </a:p>
@@ -2669,7 +2670,7 @@
             <a:fld id="{93102B3C-62CC-48D7-BE30-F9D4E7DEC3B6}" type="datetimeFigureOut">
               <a:rPr lang="es-CO" smtClean="0"/>
               <a:pPr/>
-              <a:t>22/03/2012</a:t>
+              <a:t>26/03/2012</a:t>
             </a:fld>
             <a:endParaRPr lang="es-CO"/>
           </a:p>
@@ -2919,7 +2920,7 @@
             <a:fld id="{93102B3C-62CC-48D7-BE30-F9D4E7DEC3B6}" type="datetimeFigureOut">
               <a:rPr lang="es-CO" smtClean="0"/>
               <a:pPr/>
-              <a:t>22/03/2012</a:t>
+              <a:t>26/03/2012</a:t>
             </a:fld>
             <a:endParaRPr lang="es-CO"/>
           </a:p>
@@ -3129,7 +3130,7 @@
             <a:fld id="{93102B3C-62CC-48D7-BE30-F9D4E7DEC3B6}" type="datetimeFigureOut">
               <a:rPr lang="es-CO" smtClean="0"/>
               <a:pPr/>
-              <a:t>22/03/2012</a:t>
+              <a:t>26/03/2012</a:t>
             </a:fld>
             <a:endParaRPr lang="es-CO"/>
           </a:p>
@@ -4028,7 +4029,7 @@
         <p:spPr>
           <a:xfrm>
             <a:off x="2771800" y="2564904"/>
-            <a:ext cx="2952328" cy="1872208"/>
+            <a:ext cx="3168352" cy="1872208"/>
           </a:xfrm>
           <a:prstGeom prst="roundRect">
             <a:avLst/>
@@ -4056,7 +4057,15 @@
             <a:pPr algn="ctr"/>
             <a:r>
               <a:rPr lang="es-CO" sz="1400" dirty="0" smtClean="0"/>
-              <a:t>Administrador de Reservas anticipadas de  recursos </a:t>
+              <a:t>Administrador de Reservas anticipadas de  recursos (</a:t>
+            </a:r>
+            <a:r>
+              <a:rPr lang="es-CO" sz="1400" dirty="0" smtClean="0"/>
+              <a:t>MDRARG2</a:t>
+            </a:r>
+            <a:r>
+              <a:rPr lang="es-CO" sz="1400" dirty="0" smtClean="0"/>
+              <a:t>) </a:t>
             </a:r>
             <a:endParaRPr lang="es-CO" sz="1400" dirty="0"/>
           </a:p>
@@ -6032,6 +6041,187 @@
           </a:prstGeom>
         </p:spPr>
       </p:pic>
+    </p:spTree>
+  </p:cSld>
+  <p:clrMapOvr>
+    <a:masterClrMapping/>
+  </p:clrMapOvr>
+</p:sld>
+</file>
+
+<file path=ppt/slides/slide4.xml><?xml version="1.0" encoding="utf-8"?>
+<p:sld xmlns:a="http://schemas.openxmlformats.org/drawingml/2006/main" xmlns:r="http://schemas.openxmlformats.org/officeDocument/2006/relationships" xmlns:p="http://schemas.openxmlformats.org/presentationml/2006/main">
+  <p:cSld>
+    <p:spTree>
+      <p:nvGrpSpPr>
+        <p:cNvPr id="1" name=""/>
+        <p:cNvGrpSpPr/>
+        <p:nvPr/>
+      </p:nvGrpSpPr>
+      <p:grpSpPr>
+        <a:xfrm>
+          <a:off x="0" y="0"/>
+          <a:ext cx="0" cy="0"/>
+          <a:chOff x="0" y="0"/>
+          <a:chExt cx="0" cy="0"/>
+        </a:xfrm>
+      </p:grpSpPr>
+      <p:sp>
+        <p:nvSpPr>
+          <p:cNvPr id="2" name="1 Título"/>
+          <p:cNvSpPr>
+            <a:spLocks noGrp="1"/>
+          </p:cNvSpPr>
+          <p:nvPr>
+            <p:ph type="title"/>
+          </p:nvPr>
+        </p:nvSpPr>
+        <p:spPr/>
+        <p:txBody>
+          <a:bodyPr/>
+          <a:lstStyle/>
+          <a:p>
+            <a:endParaRPr lang="es-CO"/>
+          </a:p>
+        </p:txBody>
+      </p:sp>
+      <p:sp>
+        <p:nvSpPr>
+          <p:cNvPr id="5" name="4 Rectángulo redondeado"/>
+          <p:cNvSpPr/>
+          <p:nvPr/>
+        </p:nvSpPr>
+        <p:spPr>
+          <a:xfrm>
+            <a:off x="2771800" y="2564904"/>
+            <a:ext cx="3168352" cy="1872208"/>
+          </a:xfrm>
+          <a:prstGeom prst="roundRect">
+            <a:avLst/>
+          </a:prstGeom>
+          <a:ln w="12700"/>
+        </p:spPr>
+        <p:style>
+          <a:lnRef idx="2">
+            <a:schemeClr val="accent6"/>
+          </a:lnRef>
+          <a:fillRef idx="1">
+            <a:schemeClr val="lt1"/>
+          </a:fillRef>
+          <a:effectRef idx="0">
+            <a:schemeClr val="accent6"/>
+          </a:effectRef>
+          <a:fontRef idx="minor">
+            <a:schemeClr val="dk1"/>
+          </a:fontRef>
+        </p:style>
+        <p:txBody>
+          <a:bodyPr rtlCol="0" anchor="t" anchorCtr="0"/>
+          <a:lstStyle/>
+          <a:p>
+            <a:pPr algn="ctr"/>
+            <a:r>
+              <a:rPr lang="es-CO" sz="1400" dirty="0" smtClean="0"/>
+              <a:t>Administrador de Reservas anticipadas de  recursos (</a:t>
+            </a:r>
+            <a:r>
+              <a:rPr lang="es-CO" sz="1400" dirty="0" smtClean="0"/>
+              <a:t>MDRARG2</a:t>
+            </a:r>
+            <a:r>
+              <a:rPr lang="es-CO" sz="1400" dirty="0" smtClean="0"/>
+              <a:t>) </a:t>
+            </a:r>
+            <a:endParaRPr lang="es-CO" sz="1400" dirty="0"/>
+          </a:p>
+        </p:txBody>
+      </p:sp>
+      <p:sp>
+        <p:nvSpPr>
+          <p:cNvPr id="6" name="5 Rectángulo redondeado"/>
+          <p:cNvSpPr/>
+          <p:nvPr/>
+        </p:nvSpPr>
+        <p:spPr>
+          <a:xfrm>
+            <a:off x="3347864" y="3140968"/>
+            <a:ext cx="1728192" cy="576064"/>
+          </a:xfrm>
+          <a:prstGeom prst="roundRect">
+            <a:avLst/>
+          </a:prstGeom>
+          <a:ln w="12700"/>
+        </p:spPr>
+        <p:style>
+          <a:lnRef idx="2">
+            <a:schemeClr val="accent6"/>
+          </a:lnRef>
+          <a:fillRef idx="1">
+            <a:schemeClr val="lt1"/>
+          </a:fillRef>
+          <a:effectRef idx="0">
+            <a:schemeClr val="accent6"/>
+          </a:effectRef>
+          <a:fontRef idx="minor">
+            <a:schemeClr val="dk1"/>
+          </a:fontRef>
+        </p:style>
+        <p:txBody>
+          <a:bodyPr rtlCol="0" anchor="ctr"/>
+          <a:lstStyle/>
+          <a:p>
+            <a:pPr algn="ctr"/>
+            <a:r>
+              <a:rPr lang="es-CO" sz="1200" dirty="0" smtClean="0"/>
+              <a:t>Analizador de reservaciones</a:t>
+            </a:r>
+            <a:endParaRPr lang="es-CO" sz="1200" dirty="0"/>
+          </a:p>
+        </p:txBody>
+      </p:sp>
+      <p:sp>
+        <p:nvSpPr>
+          <p:cNvPr id="7" name="6 Rectángulo redondeado"/>
+          <p:cNvSpPr/>
+          <p:nvPr/>
+        </p:nvSpPr>
+        <p:spPr>
+          <a:xfrm>
+            <a:off x="3347864" y="3789040"/>
+            <a:ext cx="1728192" cy="576064"/>
+          </a:xfrm>
+          <a:prstGeom prst="roundRect">
+            <a:avLst/>
+          </a:prstGeom>
+          <a:ln w="12700"/>
+        </p:spPr>
+        <p:style>
+          <a:lnRef idx="2">
+            <a:schemeClr val="accent6"/>
+          </a:lnRef>
+          <a:fillRef idx="1">
+            <a:schemeClr val="lt1"/>
+          </a:fillRef>
+          <a:effectRef idx="0">
+            <a:schemeClr val="accent6"/>
+          </a:effectRef>
+          <a:fontRef idx="minor">
+            <a:schemeClr val="dk1"/>
+          </a:fontRef>
+        </p:style>
+        <p:txBody>
+          <a:bodyPr rtlCol="0" anchor="ctr"/>
+          <a:lstStyle/>
+          <a:p>
+            <a:pPr algn="ctr"/>
+            <a:r>
+              <a:rPr lang="es-CO" sz="1200" dirty="0" smtClean="0"/>
+              <a:t>Calendario de reservaciones</a:t>
+            </a:r>
+            <a:endParaRPr lang="es-CO" sz="1200" dirty="0"/>
+          </a:p>
+        </p:txBody>
+      </p:sp>
     </p:spTree>
   </p:cSld>
   <p:clrMapOvr>
